--- a/기획서 - 프로토타입.pptx
+++ b/기획서 - 프로토타입.pptx
@@ -14862,6 +14862,58 @@
           <a:chExt cx="0" cy="0"/>
         </a:xfrm>
       </p:grpSpPr>
+      <p:sp>
+        <p:nvSpPr>
+          <p:cNvPr id="28" name="사각형: 둥근 모서리 27">
+            <a:extLst>
+              <a:ext uri="{FF2B5EF4-FFF2-40B4-BE49-F238E27FC236}">
+                <a16:creationId xmlns:a16="http://schemas.microsoft.com/office/drawing/2014/main" id="{C58D6285-86B6-ABB0-8816-4B4926F47778}"/>
+              </a:ext>
+            </a:extLst>
+          </p:cNvPr>
+          <p:cNvSpPr/>
+          <p:nvPr/>
+        </p:nvSpPr>
+        <p:spPr>
+          <a:xfrm>
+            <a:off x="477291" y="1196976"/>
+            <a:ext cx="2736850" cy="1316185"/>
+          </a:xfrm>
+          <a:prstGeom prst="roundRect">
+            <a:avLst>
+              <a:gd name="adj" fmla="val 4147"/>
+            </a:avLst>
+          </a:prstGeom>
+          <a:solidFill>
+            <a:schemeClr val="bg1"/>
+          </a:solidFill>
+          <a:ln w="12700"/>
+        </p:spPr>
+        <p:style>
+          <a:lnRef idx="2">
+            <a:schemeClr val="accent1">
+              <a:shade val="15000"/>
+            </a:schemeClr>
+          </a:lnRef>
+          <a:fillRef idx="1">
+            <a:schemeClr val="accent1"/>
+          </a:fillRef>
+          <a:effectRef idx="0">
+            <a:schemeClr val="accent1"/>
+          </a:effectRef>
+          <a:fontRef idx="minor">
+            <a:schemeClr val="lt1"/>
+          </a:fontRef>
+        </p:style>
+        <p:txBody>
+          <a:bodyPr rtlCol="0" anchor="ctr"/>
+          <a:lstStyle/>
+          <a:p>
+            <a:pPr algn="ctr"/>
+            <a:endParaRPr lang="ko-KR" altLang="en-US"/>
+          </a:p>
+        </p:txBody>
+      </p:sp>
       <p:graphicFrame>
         <p:nvGraphicFramePr>
           <p:cNvPr id="2" name="표 1">
@@ -15201,8 +15253,8 @@
         </p:nvSpPr>
         <p:spPr>
           <a:xfrm>
-            <a:off x="529792" y="1289704"/>
-            <a:ext cx="2603500" cy="276999"/>
+            <a:off x="529792" y="1237945"/>
+            <a:ext cx="2603500" cy="707566"/>
           </a:xfrm>
           <a:prstGeom prst="rect">
             <a:avLst/>
@@ -15215,14 +15267,26 @@
           </a:bodyPr>
           <a:lstStyle/>
           <a:p>
+            <a:pPr>
+              <a:lnSpc>
+                <a:spcPct val="180000"/>
+              </a:lnSpc>
+            </a:pPr>
             <a:r>
               <a:rPr lang="ko-KR" altLang="en-US" sz="1200" dirty="0"/>
-              <a:t>푸시 알림 시간</a:t>
+              <a:t>사용 체크 푸시 알림</a:t>
             </a:r>
             <a:r>
               <a:rPr lang="en-US" altLang="ko-KR" sz="1200" dirty="0"/>
               <a:t>        </a:t>
             </a:r>
+          </a:p>
+          <a:p>
+            <a:pPr algn="r">
+              <a:lnSpc>
+                <a:spcPct val="180000"/>
+              </a:lnSpc>
+            </a:pPr>
             <a:r>
               <a:rPr lang="ko-KR" altLang="en-US" sz="1200" dirty="0"/>
               <a:t>오후 </a:t>
@@ -15233,7 +15297,11 @@
             </a:r>
             <a:r>
               <a:rPr lang="ko-KR" altLang="en-US" sz="1200" dirty="0"/>
-              <a:t>시 </a:t>
+              <a:t>시</a:t>
+            </a:r>
+            <a:r>
+              <a:rPr lang="en-US" altLang="ko-KR" sz="1200" dirty="0"/>
+              <a:t>		</a:t>
             </a:r>
             <a:r>
               <a:rPr lang="ko-KR" altLang="en-US" sz="1200" b="1" dirty="0">
@@ -15248,10 +15316,10 @@
       </p:sp>
       <p:sp>
         <p:nvSpPr>
-          <p:cNvPr id="28" name="사각형: 둥근 모서리 27">
-            <a:extLst>
-              <a:ext uri="{FF2B5EF4-FFF2-40B4-BE49-F238E27FC236}">
-                <a16:creationId xmlns:a16="http://schemas.microsoft.com/office/drawing/2014/main" id="{C58D6285-86B6-ABB0-8816-4B4926F47778}"/>
+          <p:cNvPr id="34" name="말풍선: 사각형 33">
+            <a:extLst>
+              <a:ext uri="{FF2B5EF4-FFF2-40B4-BE49-F238E27FC236}">
+                <a16:creationId xmlns:a16="http://schemas.microsoft.com/office/drawing/2014/main" id="{4B2DD550-F4BD-C6A1-1FB3-100913A8BD9D}"/>
               </a:ext>
             </a:extLst>
           </p:cNvPr>
@@ -15260,58 +15328,8 @@
         </p:nvSpPr>
         <p:spPr>
           <a:xfrm>
-            <a:off x="477291" y="1196976"/>
-            <a:ext cx="2736850" cy="895793"/>
-          </a:xfrm>
-          <a:prstGeom prst="roundRect">
-            <a:avLst>
-              <a:gd name="adj" fmla="val 4147"/>
-            </a:avLst>
-          </a:prstGeom>
-          <a:noFill/>
-          <a:ln w="12700"/>
-        </p:spPr>
-        <p:style>
-          <a:lnRef idx="2">
-            <a:schemeClr val="accent1">
-              <a:shade val="15000"/>
-            </a:schemeClr>
-          </a:lnRef>
-          <a:fillRef idx="1">
-            <a:schemeClr val="accent1"/>
-          </a:fillRef>
-          <a:effectRef idx="0">
-            <a:schemeClr val="accent1"/>
-          </a:effectRef>
-          <a:fontRef idx="minor">
-            <a:schemeClr val="lt1"/>
-          </a:fontRef>
-        </p:style>
-        <p:txBody>
-          <a:bodyPr rtlCol="0" anchor="ctr"/>
-          <a:lstStyle/>
-          <a:p>
-            <a:pPr algn="ctr"/>
-            <a:endParaRPr lang="ko-KR" altLang="en-US"/>
-          </a:p>
-        </p:txBody>
-      </p:sp>
-      <p:sp>
-        <p:nvSpPr>
-          <p:cNvPr id="34" name="말풍선: 사각형 33">
-            <a:extLst>
-              <a:ext uri="{FF2B5EF4-FFF2-40B4-BE49-F238E27FC236}">
-                <a16:creationId xmlns:a16="http://schemas.microsoft.com/office/drawing/2014/main" id="{4B2DD550-F4BD-C6A1-1FB3-100913A8BD9D}"/>
-              </a:ext>
-            </a:extLst>
-          </p:cNvPr>
-          <p:cNvSpPr/>
-          <p:nvPr/>
-        </p:nvSpPr>
-        <p:spPr>
-          <a:xfrm>
-            <a:off x="3374185" y="1269951"/>
-            <a:ext cx="1547640" cy="416565"/>
+            <a:off x="3350031" y="1277541"/>
+            <a:ext cx="1642983" cy="403461"/>
           </a:xfrm>
           <a:prstGeom prst="wedgeRectCallout">
             <a:avLst>
@@ -15348,12 +15366,20 @@
           <a:p>
             <a:pPr algn="ctr"/>
             <a:r>
+              <a:rPr lang="ko-KR" altLang="en-US" sz="1100" dirty="0" err="1">
+                <a:solidFill>
+                  <a:schemeClr val="tx1"/>
+                </a:solidFill>
+              </a:rPr>
+              <a:t>토글</a:t>
+            </a:r>
+            <a:r>
               <a:rPr lang="ko-KR" altLang="en-US" sz="1100" dirty="0">
                 <a:solidFill>
                   <a:schemeClr val="tx1"/>
                 </a:solidFill>
               </a:rPr>
-              <a:t>터치 시</a:t>
+              <a:t> 버튼으로 사용 체크 푸시 알림 </a:t>
             </a:r>
             <a:r>
               <a:rPr lang="en-US" altLang="ko-KR" sz="1100" dirty="0">
@@ -15361,16 +15387,13 @@
                   <a:schemeClr val="tx1"/>
                 </a:solidFill>
               </a:rPr>
-              <a:t>, </a:t>
-            </a:r>
-            <a:r>
-              <a:rPr lang="ko-KR" altLang="en-US" sz="1100" dirty="0">
-                <a:solidFill>
-                  <a:schemeClr val="tx1"/>
-                </a:solidFill>
-              </a:rPr>
-              <a:t>시간 선택 다이얼로그가 표시됨</a:t>
-            </a:r>
+              <a:t>on/off</a:t>
+            </a:r>
+            <a:endParaRPr lang="ko-KR" altLang="en-US" sz="1100" dirty="0">
+              <a:solidFill>
+                <a:schemeClr val="tx1"/>
+              </a:solidFill>
+            </a:endParaRPr>
           </a:p>
         </p:txBody>
       </p:sp>
@@ -15573,8 +15596,8 @@
         </p:nvSpPr>
         <p:spPr>
           <a:xfrm>
-            <a:off x="529792" y="1686516"/>
-            <a:ext cx="2603500" cy="333617"/>
+            <a:off x="479425" y="2083335"/>
+            <a:ext cx="2736850" cy="333617"/>
           </a:xfrm>
           <a:prstGeom prst="rect">
             <a:avLst/>
@@ -15594,15 +15617,11 @@
             </a:pPr>
             <a:r>
               <a:rPr lang="ko-KR" altLang="en-US" sz="1200" dirty="0"/>
-              <a:t>피부관리 시작일</a:t>
+              <a:t>관리 시작일  </a:t>
             </a:r>
             <a:r>
               <a:rPr lang="en-US" altLang="ko-KR" sz="1200" dirty="0"/>
-              <a:t>  0000-00-00</a:t>
-            </a:r>
-            <a:r>
-              <a:rPr lang="ko-KR" altLang="en-US" sz="1200" dirty="0"/>
-              <a:t> </a:t>
+              <a:t>0000-00-00         </a:t>
             </a:r>
             <a:r>
               <a:rPr lang="ko-KR" altLang="en-US" sz="1200" b="1" dirty="0">
@@ -15630,8 +15649,384 @@
         </p:nvSpPr>
         <p:spPr>
           <a:xfrm>
-            <a:off x="3374185" y="1768217"/>
-            <a:ext cx="1547640" cy="474649"/>
+            <a:off x="3321684" y="2351610"/>
+            <a:ext cx="2160000" cy="468000"/>
+          </a:xfrm>
+          <a:prstGeom prst="wedgeRectCallout">
+            <a:avLst>
+              <a:gd name="adj1" fmla="val -57489"/>
+              <a:gd name="adj2" fmla="val -46672"/>
+            </a:avLst>
+          </a:prstGeom>
+          <a:solidFill>
+            <a:schemeClr val="bg1">
+              <a:lumMod val="95000"/>
+            </a:schemeClr>
+          </a:solidFill>
+          <a:ln w="12700"/>
+        </p:spPr>
+        <p:style>
+          <a:lnRef idx="2">
+            <a:schemeClr val="accent1">
+              <a:shade val="15000"/>
+            </a:schemeClr>
+          </a:lnRef>
+          <a:fillRef idx="1">
+            <a:schemeClr val="accent1"/>
+          </a:fillRef>
+          <a:effectRef idx="0">
+            <a:schemeClr val="accent1"/>
+          </a:effectRef>
+          <a:fontRef idx="minor">
+            <a:schemeClr val="lt1"/>
+          </a:fontRef>
+        </p:style>
+        <p:txBody>
+          <a:bodyPr rtlCol="0" anchor="ctr"/>
+          <a:lstStyle/>
+          <a:p>
+            <a:pPr algn="ctr"/>
+            <a:r>
+              <a:rPr lang="ko-KR" altLang="en-US" sz="1100" dirty="0">
+                <a:solidFill>
+                  <a:schemeClr val="tx1"/>
+                </a:solidFill>
+              </a:rPr>
+              <a:t>변경 </a:t>
+            </a:r>
+            <a:r>
+              <a:rPr lang="en-US" altLang="ko-KR" sz="1100" dirty="0">
+                <a:solidFill>
+                  <a:schemeClr val="tx1"/>
+                </a:solidFill>
+              </a:rPr>
+              <a:t>‘</a:t>
+            </a:r>
+            <a:r>
+              <a:rPr lang="ko-KR" altLang="en-US" sz="1100" dirty="0">
+                <a:solidFill>
+                  <a:schemeClr val="tx1"/>
+                </a:solidFill>
+              </a:rPr>
+              <a:t>텍스트 버튼</a:t>
+            </a:r>
+            <a:r>
+              <a:rPr lang="en-US" altLang="ko-KR" sz="1100" dirty="0">
+                <a:solidFill>
+                  <a:schemeClr val="tx1"/>
+                </a:solidFill>
+              </a:rPr>
+              <a:t>’ </a:t>
+            </a:r>
+            <a:r>
+              <a:rPr lang="ko-KR" altLang="en-US" sz="1100" dirty="0">
+                <a:solidFill>
+                  <a:schemeClr val="tx1"/>
+                </a:solidFill>
+              </a:rPr>
+              <a:t>터치 시</a:t>
+            </a:r>
+            <a:r>
+              <a:rPr lang="en-US" altLang="ko-KR" sz="1100" dirty="0">
+                <a:solidFill>
+                  <a:schemeClr val="tx1"/>
+                </a:solidFill>
+              </a:rPr>
+              <a:t>, </a:t>
+            </a:r>
+            <a:r>
+              <a:rPr lang="ko-KR" altLang="en-US" sz="1100" dirty="0">
+                <a:solidFill>
+                  <a:schemeClr val="tx1"/>
+                </a:solidFill>
+              </a:rPr>
+              <a:t>캘린더 선택 다이얼로그가 표시됨</a:t>
+            </a:r>
+          </a:p>
+        </p:txBody>
+      </p:sp>
+      <p:cxnSp>
+        <p:nvCxnSpPr>
+          <p:cNvPr id="13" name="직선 연결선 12">
+            <a:extLst>
+              <a:ext uri="{FF2B5EF4-FFF2-40B4-BE49-F238E27FC236}">
+                <a16:creationId xmlns:a16="http://schemas.microsoft.com/office/drawing/2014/main" id="{479A2C78-59AA-4752-90A0-4D945EBF23A4}"/>
+              </a:ext>
+            </a:extLst>
+          </p:cNvPr>
+          <p:cNvCxnSpPr>
+            <a:cxnSpLocks/>
+          </p:cNvCxnSpPr>
+          <p:nvPr/>
+        </p:nvCxnSpPr>
+        <p:spPr>
+          <a:xfrm>
+            <a:off x="496678" y="2035265"/>
+            <a:ext cx="2700000" cy="0"/>
+          </a:xfrm>
+          <a:prstGeom prst="line">
+            <a:avLst/>
+          </a:prstGeom>
+          <a:ln w="3175">
+            <a:solidFill>
+              <a:schemeClr val="bg1">
+                <a:lumMod val="50000"/>
+              </a:schemeClr>
+            </a:solidFill>
+          </a:ln>
+        </p:spPr>
+        <p:style>
+          <a:lnRef idx="2">
+            <a:schemeClr val="dk1"/>
+          </a:lnRef>
+          <a:fillRef idx="0">
+            <a:schemeClr val="dk1"/>
+          </a:fillRef>
+          <a:effectRef idx="1">
+            <a:schemeClr val="dk1"/>
+          </a:effectRef>
+          <a:fontRef idx="minor">
+            <a:schemeClr val="tx1"/>
+          </a:fontRef>
+        </p:style>
+      </p:cxnSp>
+      <p:grpSp>
+        <p:nvGrpSpPr>
+          <p:cNvPr id="23" name="그룹 22">
+            <a:extLst>
+              <a:ext uri="{FF2B5EF4-FFF2-40B4-BE49-F238E27FC236}">
+                <a16:creationId xmlns:a16="http://schemas.microsoft.com/office/drawing/2014/main" id="{F0CD2C1D-D337-0842-4128-110523F67B8A}"/>
+              </a:ext>
+            </a:extLst>
+          </p:cNvPr>
+          <p:cNvGrpSpPr/>
+          <p:nvPr/>
+        </p:nvGrpSpPr>
+        <p:grpSpPr>
+          <a:xfrm>
+            <a:off x="2413668" y="1289704"/>
+            <a:ext cx="720000" cy="288000"/>
+            <a:chOff x="491223" y="4130767"/>
+            <a:chExt cx="720000" cy="288000"/>
+          </a:xfrm>
+        </p:grpSpPr>
+        <p:sp>
+          <p:nvSpPr>
+            <p:cNvPr id="16" name="사각형: 둥근 모서리 15">
+              <a:extLst>
+                <a:ext uri="{FF2B5EF4-FFF2-40B4-BE49-F238E27FC236}">
+                  <a16:creationId xmlns:a16="http://schemas.microsoft.com/office/drawing/2014/main" id="{63500CB5-E19D-3E8D-BB55-8B5E9B6DAF2E}"/>
+                </a:ext>
+              </a:extLst>
+            </p:cNvPr>
+            <p:cNvSpPr/>
+            <p:nvPr/>
+          </p:nvSpPr>
+          <p:spPr>
+            <a:xfrm>
+              <a:off x="491223" y="4130767"/>
+              <a:ext cx="720000" cy="288000"/>
+            </a:xfrm>
+            <a:prstGeom prst="roundRect">
+              <a:avLst>
+                <a:gd name="adj" fmla="val 44485"/>
+              </a:avLst>
+            </a:prstGeom>
+            <a:solidFill>
+              <a:schemeClr val="bg2"/>
+            </a:solidFill>
+            <a:ln w="12700">
+              <a:noFill/>
+            </a:ln>
+          </p:spPr>
+          <p:style>
+            <a:lnRef idx="2">
+              <a:schemeClr val="accent1">
+                <a:shade val="15000"/>
+              </a:schemeClr>
+            </a:lnRef>
+            <a:fillRef idx="1">
+              <a:schemeClr val="accent1"/>
+            </a:fillRef>
+            <a:effectRef idx="0">
+              <a:schemeClr val="accent1"/>
+            </a:effectRef>
+            <a:fontRef idx="minor">
+              <a:schemeClr val="lt1"/>
+            </a:fontRef>
+          </p:style>
+          <p:txBody>
+            <a:bodyPr rtlCol="0" anchor="ctr"/>
+            <a:lstStyle/>
+            <a:p>
+              <a:pPr algn="ctr"/>
+              <a:endParaRPr lang="ko-KR" altLang="en-US" sz="1000" b="1" dirty="0">
+                <a:solidFill>
+                  <a:schemeClr val="tx1"/>
+                </a:solidFill>
+                <a:latin typeface="+mj-lt"/>
+              </a:endParaRPr>
+            </a:p>
+          </p:txBody>
+        </p:sp>
+        <p:sp>
+          <p:nvSpPr>
+            <p:cNvPr id="17" name="사각형: 둥근 모서리 16">
+              <a:extLst>
+                <a:ext uri="{FF2B5EF4-FFF2-40B4-BE49-F238E27FC236}">
+                  <a16:creationId xmlns:a16="http://schemas.microsoft.com/office/drawing/2014/main" id="{8065A5A7-BFDA-555B-E3C8-388D79E29839}"/>
+                </a:ext>
+              </a:extLst>
+            </p:cNvPr>
+            <p:cNvSpPr/>
+            <p:nvPr/>
+          </p:nvSpPr>
+          <p:spPr>
+            <a:xfrm>
+              <a:off x="510420" y="4148767"/>
+              <a:ext cx="360000" cy="252000"/>
+            </a:xfrm>
+            <a:prstGeom prst="roundRect">
+              <a:avLst>
+                <a:gd name="adj" fmla="val 44485"/>
+              </a:avLst>
+            </a:prstGeom>
+            <a:solidFill>
+              <a:schemeClr val="accent1">
+                <a:lumMod val="20000"/>
+                <a:lumOff val="80000"/>
+              </a:schemeClr>
+            </a:solidFill>
+            <a:ln w="12700">
+              <a:noFill/>
+            </a:ln>
+          </p:spPr>
+          <p:style>
+            <a:lnRef idx="2">
+              <a:schemeClr val="accent1">
+                <a:shade val="15000"/>
+              </a:schemeClr>
+            </a:lnRef>
+            <a:fillRef idx="1">
+              <a:schemeClr val="accent1"/>
+            </a:fillRef>
+            <a:effectRef idx="0">
+              <a:schemeClr val="accent1"/>
+            </a:effectRef>
+            <a:fontRef idx="minor">
+              <a:schemeClr val="lt1"/>
+            </a:fontRef>
+          </p:style>
+          <p:txBody>
+            <a:bodyPr lIns="0" rIns="0" rtlCol="0" anchor="ctr"/>
+            <a:lstStyle/>
+            <a:p>
+              <a:pPr algn="ctr"/>
+              <a:r>
+                <a:rPr lang="en-US" altLang="ko-KR" sz="1000" b="1" dirty="0">
+                  <a:solidFill>
+                    <a:schemeClr val="tx1"/>
+                  </a:solidFill>
+                  <a:latin typeface="+mj-lt"/>
+                </a:rPr>
+                <a:t>ON</a:t>
+              </a:r>
+              <a:endParaRPr lang="ko-KR" altLang="en-US" sz="1000" b="1" dirty="0">
+                <a:solidFill>
+                  <a:schemeClr val="tx1"/>
+                </a:solidFill>
+                <a:latin typeface="+mj-lt"/>
+              </a:endParaRPr>
+            </a:p>
+          </p:txBody>
+        </p:sp>
+        <p:sp>
+          <p:nvSpPr>
+            <p:cNvPr id="19" name="사각형: 둥근 모서리 18">
+              <a:extLst>
+                <a:ext uri="{FF2B5EF4-FFF2-40B4-BE49-F238E27FC236}">
+                  <a16:creationId xmlns:a16="http://schemas.microsoft.com/office/drawing/2014/main" id="{1762E6E9-B344-B924-0011-B531C7CF8BD8}"/>
+                </a:ext>
+              </a:extLst>
+            </p:cNvPr>
+            <p:cNvSpPr/>
+            <p:nvPr/>
+          </p:nvSpPr>
+          <p:spPr>
+            <a:xfrm>
+              <a:off x="829072" y="4148767"/>
+              <a:ext cx="360000" cy="252000"/>
+            </a:xfrm>
+            <a:prstGeom prst="roundRect">
+              <a:avLst>
+                <a:gd name="adj" fmla="val 44485"/>
+              </a:avLst>
+            </a:prstGeom>
+            <a:solidFill>
+              <a:schemeClr val="bg1">
+                <a:lumMod val="95000"/>
+              </a:schemeClr>
+            </a:solidFill>
+            <a:ln w="12700">
+              <a:noFill/>
+            </a:ln>
+          </p:spPr>
+          <p:style>
+            <a:lnRef idx="2">
+              <a:schemeClr val="accent1">
+                <a:shade val="15000"/>
+              </a:schemeClr>
+            </a:lnRef>
+            <a:fillRef idx="1">
+              <a:schemeClr val="accent1"/>
+            </a:fillRef>
+            <a:effectRef idx="0">
+              <a:schemeClr val="accent1"/>
+            </a:effectRef>
+            <a:fontRef idx="minor">
+              <a:schemeClr val="lt1"/>
+            </a:fontRef>
+          </p:style>
+          <p:txBody>
+            <a:bodyPr lIns="0" rIns="0" rtlCol="0" anchor="ctr"/>
+            <a:lstStyle/>
+            <a:p>
+              <a:pPr algn="ctr"/>
+              <a:r>
+                <a:rPr lang="en-US" altLang="ko-KR" sz="1000" b="1" dirty="0">
+                  <a:solidFill>
+                    <a:schemeClr val="tx1"/>
+                  </a:solidFill>
+                  <a:latin typeface="+mj-lt"/>
+                </a:rPr>
+                <a:t>OFF</a:t>
+              </a:r>
+              <a:endParaRPr lang="ko-KR" altLang="en-US" sz="1000" b="1" dirty="0">
+                <a:solidFill>
+                  <a:schemeClr val="tx1"/>
+                </a:solidFill>
+                <a:latin typeface="+mj-lt"/>
+              </a:endParaRPr>
+            </a:p>
+          </p:txBody>
+        </p:sp>
+      </p:grpSp>
+      <p:sp>
+        <p:nvSpPr>
+          <p:cNvPr id="25" name="말풍선: 사각형 24">
+            <a:extLst>
+              <a:ext uri="{FF2B5EF4-FFF2-40B4-BE49-F238E27FC236}">
+                <a16:creationId xmlns:a16="http://schemas.microsoft.com/office/drawing/2014/main" id="{9B60C2E0-9430-924B-13EE-4B0EFFAAAC3B}"/>
+              </a:ext>
+            </a:extLst>
+          </p:cNvPr>
+          <p:cNvSpPr/>
+          <p:nvPr/>
+        </p:nvSpPr>
+        <p:spPr>
+          <a:xfrm>
+            <a:off x="3302087" y="1723028"/>
+            <a:ext cx="2160000" cy="468000"/>
           </a:xfrm>
           <a:prstGeom prst="wedgeRectCallout">
             <a:avLst>
@@ -15673,6 +16068,38 @@
                   <a:schemeClr val="tx1"/>
                 </a:solidFill>
               </a:rPr>
+              <a:t>변경 </a:t>
+            </a:r>
+            <a:r>
+              <a:rPr lang="en-US" altLang="ko-KR" sz="1100" dirty="0">
+                <a:solidFill>
+                  <a:schemeClr val="tx1"/>
+                </a:solidFill>
+              </a:rPr>
+              <a:t>‘</a:t>
+            </a:r>
+            <a:r>
+              <a:rPr lang="ko-KR" altLang="en-US" sz="1100" dirty="0">
+                <a:solidFill>
+                  <a:schemeClr val="tx1"/>
+                </a:solidFill>
+              </a:rPr>
+              <a:t>텍스트 버튼</a:t>
+            </a:r>
+            <a:r>
+              <a:rPr lang="en-US" altLang="ko-KR" sz="1100" dirty="0">
+                <a:solidFill>
+                  <a:schemeClr val="tx1"/>
+                </a:solidFill>
+              </a:rPr>
+              <a:t>’ </a:t>
+            </a:r>
+            <a:r>
+              <a:rPr lang="ko-KR" altLang="en-US" sz="1100" dirty="0">
+                <a:solidFill>
+                  <a:schemeClr val="tx1"/>
+                </a:solidFill>
+              </a:rPr>
               <a:t>터치 시</a:t>
             </a:r>
             <a:r>
@@ -15689,56 +16116,11 @@
                   <a:schemeClr val="tx1"/>
                 </a:solidFill>
               </a:rPr>
-              <a:t>캘린더 선택 다이얼로그가 표시됨</a:t>
+              <a:t>시계 선택 다이얼로그가 표시됨</a:t>
             </a:r>
           </a:p>
         </p:txBody>
       </p:sp>
-      <p:cxnSp>
-        <p:nvCxnSpPr>
-          <p:cNvPr id="13" name="직선 연결선 12">
-            <a:extLst>
-              <a:ext uri="{FF2B5EF4-FFF2-40B4-BE49-F238E27FC236}">
-                <a16:creationId xmlns:a16="http://schemas.microsoft.com/office/drawing/2014/main" id="{479A2C78-59AA-4752-90A0-4D945EBF23A4}"/>
-              </a:ext>
-            </a:extLst>
-          </p:cNvPr>
-          <p:cNvCxnSpPr>
-            <a:cxnSpLocks/>
-          </p:cNvCxnSpPr>
-          <p:nvPr/>
-        </p:nvCxnSpPr>
-        <p:spPr>
-          <a:xfrm>
-            <a:off x="496678" y="1638446"/>
-            <a:ext cx="2700000" cy="0"/>
-          </a:xfrm>
-          <a:prstGeom prst="line">
-            <a:avLst/>
-          </a:prstGeom>
-          <a:ln w="3175">
-            <a:solidFill>
-              <a:schemeClr val="bg1">
-                <a:lumMod val="50000"/>
-              </a:schemeClr>
-            </a:solidFill>
-          </a:ln>
-        </p:spPr>
-        <p:style>
-          <a:lnRef idx="2">
-            <a:schemeClr val="dk1"/>
-          </a:lnRef>
-          <a:fillRef idx="0">
-            <a:schemeClr val="dk1"/>
-          </a:fillRef>
-          <a:effectRef idx="1">
-            <a:schemeClr val="dk1"/>
-          </a:effectRef>
-          <a:fontRef idx="minor">
-            <a:schemeClr val="tx1"/>
-          </a:fontRef>
-        </p:style>
-      </p:cxnSp>
     </p:spTree>
     <p:extLst>
       <p:ext uri="{BB962C8B-B14F-4D97-AF65-F5344CB8AC3E}">

--- a/기획서 - 프로토타입.pptx
+++ b/기획서 - 프로토타입.pptx
@@ -281,7 +281,7 @@
           <a:p>
             <a:fld id="{0CE94944-6BDB-465A-8597-54922438D89F}" type="datetimeFigureOut">
               <a:rPr lang="ko-KR" altLang="en-US" smtClean="0"/>
-              <a:t>2025-06-01</a:t>
+              <a:t>2025-06-09</a:t>
             </a:fld>
             <a:endParaRPr lang="ko-KR" altLang="en-US"/>
           </a:p>
@@ -1905,7 +1905,7 @@
           <a:p>
             <a:fld id="{85057B76-CED3-4EEF-A8B7-BB8FA03CCF2D}" type="datetimeFigureOut">
               <a:rPr lang="ko-KR" altLang="en-US" smtClean="0"/>
-              <a:t>2025-06-01</a:t>
+              <a:t>2025-06-09</a:t>
             </a:fld>
             <a:endParaRPr lang="ko-KR" altLang="en-US"/>
           </a:p>
@@ -2103,7 +2103,7 @@
           <a:p>
             <a:fld id="{85057B76-CED3-4EEF-A8B7-BB8FA03CCF2D}" type="datetimeFigureOut">
               <a:rPr lang="ko-KR" altLang="en-US" smtClean="0"/>
-              <a:t>2025-06-01</a:t>
+              <a:t>2025-06-09</a:t>
             </a:fld>
             <a:endParaRPr lang="ko-KR" altLang="en-US"/>
           </a:p>
@@ -2311,7 +2311,7 @@
           <a:p>
             <a:fld id="{85057B76-CED3-4EEF-A8B7-BB8FA03CCF2D}" type="datetimeFigureOut">
               <a:rPr lang="ko-KR" altLang="en-US" smtClean="0"/>
-              <a:t>2025-06-01</a:t>
+              <a:t>2025-06-09</a:t>
             </a:fld>
             <a:endParaRPr lang="ko-KR" altLang="en-US"/>
           </a:p>
@@ -2509,7 +2509,7 @@
           <a:p>
             <a:fld id="{85057B76-CED3-4EEF-A8B7-BB8FA03CCF2D}" type="datetimeFigureOut">
               <a:rPr lang="ko-KR" altLang="en-US" smtClean="0"/>
-              <a:t>2025-06-01</a:t>
+              <a:t>2025-06-09</a:t>
             </a:fld>
             <a:endParaRPr lang="ko-KR" altLang="en-US"/>
           </a:p>
@@ -2784,7 +2784,7 @@
           <a:p>
             <a:fld id="{85057B76-CED3-4EEF-A8B7-BB8FA03CCF2D}" type="datetimeFigureOut">
               <a:rPr lang="ko-KR" altLang="en-US" smtClean="0"/>
-              <a:t>2025-06-01</a:t>
+              <a:t>2025-06-09</a:t>
             </a:fld>
             <a:endParaRPr lang="ko-KR" altLang="en-US"/>
           </a:p>
@@ -3049,7 +3049,7 @@
           <a:p>
             <a:fld id="{85057B76-CED3-4EEF-A8B7-BB8FA03CCF2D}" type="datetimeFigureOut">
               <a:rPr lang="ko-KR" altLang="en-US" smtClean="0"/>
-              <a:t>2025-06-01</a:t>
+              <a:t>2025-06-09</a:t>
             </a:fld>
             <a:endParaRPr lang="ko-KR" altLang="en-US"/>
           </a:p>
@@ -3461,7 +3461,7 @@
           <a:p>
             <a:fld id="{85057B76-CED3-4EEF-A8B7-BB8FA03CCF2D}" type="datetimeFigureOut">
               <a:rPr lang="ko-KR" altLang="en-US" smtClean="0"/>
-              <a:t>2025-06-01</a:t>
+              <a:t>2025-06-09</a:t>
             </a:fld>
             <a:endParaRPr lang="ko-KR" altLang="en-US"/>
           </a:p>
@@ -3602,7 +3602,7 @@
           <a:p>
             <a:fld id="{85057B76-CED3-4EEF-A8B7-BB8FA03CCF2D}" type="datetimeFigureOut">
               <a:rPr lang="ko-KR" altLang="en-US" smtClean="0"/>
-              <a:t>2025-06-01</a:t>
+              <a:t>2025-06-09</a:t>
             </a:fld>
             <a:endParaRPr lang="ko-KR" altLang="en-US"/>
           </a:p>
@@ -3715,7 +3715,7 @@
           <a:p>
             <a:fld id="{85057B76-CED3-4EEF-A8B7-BB8FA03CCF2D}" type="datetimeFigureOut">
               <a:rPr lang="ko-KR" altLang="en-US" smtClean="0"/>
-              <a:t>2025-06-01</a:t>
+              <a:t>2025-06-09</a:t>
             </a:fld>
             <a:endParaRPr lang="ko-KR" altLang="en-US"/>
           </a:p>
@@ -4026,7 +4026,7 @@
           <a:p>
             <a:fld id="{85057B76-CED3-4EEF-A8B7-BB8FA03CCF2D}" type="datetimeFigureOut">
               <a:rPr lang="ko-KR" altLang="en-US" smtClean="0"/>
-              <a:t>2025-06-01</a:t>
+              <a:t>2025-06-09</a:t>
             </a:fld>
             <a:endParaRPr lang="ko-KR" altLang="en-US"/>
           </a:p>
@@ -4314,7 +4314,7 @@
           <a:p>
             <a:fld id="{85057B76-CED3-4EEF-A8B7-BB8FA03CCF2D}" type="datetimeFigureOut">
               <a:rPr lang="ko-KR" altLang="en-US" smtClean="0"/>
-              <a:t>2025-06-01</a:t>
+              <a:t>2025-06-09</a:t>
             </a:fld>
             <a:endParaRPr lang="ko-KR" altLang="en-US"/>
           </a:p>
@@ -4555,7 +4555,7 @@
           <a:p>
             <a:fld id="{85057B76-CED3-4EEF-A8B7-BB8FA03CCF2D}" type="datetimeFigureOut">
               <a:rPr lang="ko-KR" altLang="en-US" smtClean="0"/>
-              <a:t>2025-06-01</a:t>
+              <a:t>2025-06-09</a:t>
             </a:fld>
             <a:endParaRPr lang="ko-KR" altLang="en-US"/>
           </a:p>
@@ -26188,12 +26188,12 @@
         <p:spPr>
           <a:xfrm>
             <a:off x="3238060" y="2215125"/>
-            <a:ext cx="1476001" cy="285446"/>
+            <a:ext cx="1244293" cy="285446"/>
           </a:xfrm>
           <a:prstGeom prst="wedgeRectCallout">
             <a:avLst>
-              <a:gd name="adj1" fmla="val -57328"/>
-              <a:gd name="adj2" fmla="val -15941"/>
+              <a:gd name="adj1" fmla="val -55887"/>
+              <a:gd name="adj2" fmla="val -11754"/>
             </a:avLst>
           </a:prstGeom>
           <a:solidFill>
@@ -26225,26 +26225,13 @@
           <a:p>
             <a:pPr algn="ctr"/>
             <a:r>
-              <a:rPr lang="ko-KR" altLang="en-US" sz="1100" dirty="0" err="1">
+              <a:rPr lang="en-US" altLang="ko-KR" sz="1100" dirty="0">
                 <a:solidFill>
                   <a:schemeClr val="tx1"/>
                 </a:solidFill>
               </a:rPr>
-              <a:t>세그먼티드</a:t>
-            </a:r>
-            <a:r>
-              <a:rPr lang="ko-KR" altLang="en-US" sz="1100" dirty="0">
-                <a:solidFill>
-                  <a:schemeClr val="tx1"/>
-                </a:solidFill>
-              </a:rPr>
-              <a:t> 컨트롤</a:t>
-            </a:r>
-            <a:endParaRPr lang="en-US" altLang="ko-KR" sz="1100" dirty="0">
-              <a:solidFill>
-                <a:schemeClr val="tx1"/>
-              </a:solidFill>
-            </a:endParaRPr>
+              <a:t>Choice chip</a:t>
+            </a:r>
           </a:p>
         </p:txBody>
       </p:sp>
